--- a/documentos/Projeto Interdisciplinar - APP - 2022-1.pptx
+++ b/documentos/Projeto Interdisciplinar - APP - 2022-1.pptx
@@ -5,7 +5,7 @@
     <p:sldMasterId id="2147483648" r:id="rId4"/>
   </p:sldMasterIdLst>
   <p:notesMasterIdLst>
-    <p:notesMasterId r:id="rId25"/>
+    <p:notesMasterId r:id="rId26"/>
   </p:notesMasterIdLst>
   <p:sldIdLst>
     <p:sldId id="256" r:id="rId5"/>
@@ -27,7 +27,8 @@
     <p:sldId id="284" r:id="rId21"/>
     <p:sldId id="286" r:id="rId22"/>
     <p:sldId id="294" r:id="rId23"/>
-    <p:sldId id="277" r:id="rId24"/>
+    <p:sldId id="296" r:id="rId24"/>
+    <p:sldId id="277" r:id="rId25"/>
   </p:sldIdLst>
   <p:sldSz cx="9144000" cy="5143500" type="screen16x9"/>
   <p:notesSz cx="6858000" cy="9144000"/>
@@ -4365,7 +4366,7 @@
           </a:ln>
           <a:extLst>
             <a:ext uri="{C572A759-6A51-4108-AA02-DFA0A04FC94B}">
-              <ma14:wrappingTextBoxFlag xmlns="" xmlns:m="http://schemas.openxmlformats.org/officeDocument/2006/math" xmlns:a14="http://schemas.microsoft.com/office/drawing/2010/main" xmlns:ma14="http://schemas.microsoft.com/office/mac/drawingml/2011/main" val="1"/>
+              <ma14:wrappingTextBoxFlag xmlns:ma14="http://schemas.microsoft.com/office/mac/drawingml/2011/main" xmlns:a14="http://schemas.microsoft.com/office/drawing/2010/main" xmlns:m="http://schemas.openxmlformats.org/officeDocument/2006/math" xmlns="" val="1"/>
             </a:ext>
           </a:extLst>
         </p:spPr>
@@ -4538,7 +4539,7 @@
               <a:effectLst/>
               <a:extLst>
                 <a:ext uri="{C572A759-6A51-4108-AA02-DFA0A04FC94B}">
-                  <ma14:wrappingTextBoxFlag xmlns="" xmlns:m="http://schemas.openxmlformats.org/officeDocument/2006/math" xmlns:a14="http://schemas.microsoft.com/office/drawing/2010/main" xmlns:ma14="http://schemas.microsoft.com/office/mac/drawingml/2011/main" val="1"/>
+                  <ma14:wrappingTextBoxFlag xmlns:ma14="http://schemas.microsoft.com/office/mac/drawingml/2011/main" xmlns:a14="http://schemas.microsoft.com/office/drawing/2010/main" xmlns:m="http://schemas.openxmlformats.org/officeDocument/2006/math" xmlns="" val="1"/>
                 </a:ext>
               </a:extLst>
             </p:spPr>
@@ -4704,7 +4705,7 @@
               <a:effectLst/>
               <a:extLst>
                 <a:ext uri="{C572A759-6A51-4108-AA02-DFA0A04FC94B}">
-                  <ma14:wrappingTextBoxFlag xmlns="" xmlns:m="http://schemas.openxmlformats.org/officeDocument/2006/math" xmlns:a14="http://schemas.microsoft.com/office/drawing/2010/main" xmlns:ma14="http://schemas.microsoft.com/office/mac/drawingml/2011/main" val="1"/>
+                  <ma14:wrappingTextBoxFlag xmlns:ma14="http://schemas.microsoft.com/office/mac/drawingml/2011/main" xmlns:a14="http://schemas.microsoft.com/office/drawing/2010/main" xmlns:m="http://schemas.openxmlformats.org/officeDocument/2006/math" xmlns="" val="1"/>
                 </a:ext>
               </a:extLst>
             </p:spPr>
@@ -4860,7 +4861,7 @@
               <a:effectLst/>
               <a:extLst>
                 <a:ext uri="{C572A759-6A51-4108-AA02-DFA0A04FC94B}">
-                  <ma14:wrappingTextBoxFlag xmlns="" xmlns:m="http://schemas.openxmlformats.org/officeDocument/2006/math" xmlns:a14="http://schemas.microsoft.com/office/drawing/2010/main" xmlns:ma14="http://schemas.microsoft.com/office/mac/drawingml/2011/main" val="1"/>
+                  <ma14:wrappingTextBoxFlag xmlns:ma14="http://schemas.microsoft.com/office/mac/drawingml/2011/main" xmlns:a14="http://schemas.microsoft.com/office/drawing/2010/main" xmlns:m="http://schemas.openxmlformats.org/officeDocument/2006/math" xmlns="" val="1"/>
                 </a:ext>
               </a:extLst>
             </p:spPr>
@@ -5026,7 +5027,7 @@
               <a:effectLst/>
               <a:extLst>
                 <a:ext uri="{C572A759-6A51-4108-AA02-DFA0A04FC94B}">
-                  <ma14:wrappingTextBoxFlag xmlns="" xmlns:m="http://schemas.openxmlformats.org/officeDocument/2006/math" xmlns:a14="http://schemas.microsoft.com/office/drawing/2010/main" xmlns:ma14="http://schemas.microsoft.com/office/mac/drawingml/2011/main" val="1"/>
+                  <ma14:wrappingTextBoxFlag xmlns:ma14="http://schemas.microsoft.com/office/mac/drawingml/2011/main" xmlns:a14="http://schemas.microsoft.com/office/drawing/2010/main" xmlns:m="http://schemas.openxmlformats.org/officeDocument/2006/math" xmlns="" val="1"/>
                 </a:ext>
               </a:extLst>
             </p:spPr>
@@ -5182,7 +5183,7 @@
               <a:effectLst/>
               <a:extLst>
                 <a:ext uri="{C572A759-6A51-4108-AA02-DFA0A04FC94B}">
-                  <ma14:wrappingTextBoxFlag xmlns="" xmlns:m="http://schemas.openxmlformats.org/officeDocument/2006/math" xmlns:a14="http://schemas.microsoft.com/office/drawing/2010/main" xmlns:ma14="http://schemas.microsoft.com/office/mac/drawingml/2011/main" val="1"/>
+                  <ma14:wrappingTextBoxFlag xmlns:ma14="http://schemas.microsoft.com/office/mac/drawingml/2011/main" xmlns:a14="http://schemas.microsoft.com/office/drawing/2010/main" xmlns:m="http://schemas.openxmlformats.org/officeDocument/2006/math" xmlns="" val="1"/>
                 </a:ext>
               </a:extLst>
             </p:spPr>
@@ -5260,7 +5261,7 @@
           </a:ln>
           <a:extLst>
             <a:ext uri="{C572A759-6A51-4108-AA02-DFA0A04FC94B}">
-              <ma14:wrappingTextBoxFlag xmlns="" xmlns:m="http://schemas.openxmlformats.org/officeDocument/2006/math" xmlns:a14="http://schemas.microsoft.com/office/drawing/2010/main" xmlns:ma14="http://schemas.microsoft.com/office/mac/drawingml/2011/main" val="1"/>
+              <ma14:wrappingTextBoxFlag xmlns:ma14="http://schemas.microsoft.com/office/mac/drawingml/2011/main" xmlns:a14="http://schemas.microsoft.com/office/drawing/2010/main" xmlns:m="http://schemas.openxmlformats.org/officeDocument/2006/math" xmlns="" val="1"/>
             </a:ext>
           </a:extLst>
         </p:spPr>
@@ -5433,7 +5434,7 @@
               <a:effectLst/>
               <a:extLst>
                 <a:ext uri="{C572A759-6A51-4108-AA02-DFA0A04FC94B}">
-                  <ma14:wrappingTextBoxFlag xmlns="" xmlns:m="http://schemas.openxmlformats.org/officeDocument/2006/math" xmlns:a14="http://schemas.microsoft.com/office/drawing/2010/main" xmlns:ma14="http://schemas.microsoft.com/office/mac/drawingml/2011/main" val="1"/>
+                  <ma14:wrappingTextBoxFlag xmlns:ma14="http://schemas.microsoft.com/office/mac/drawingml/2011/main" xmlns:a14="http://schemas.microsoft.com/office/drawing/2010/main" xmlns:m="http://schemas.openxmlformats.org/officeDocument/2006/math" xmlns="" val="1"/>
                 </a:ext>
               </a:extLst>
             </p:spPr>
@@ -5595,7 +5596,7 @@
               <a:effectLst/>
               <a:extLst>
                 <a:ext uri="{C572A759-6A51-4108-AA02-DFA0A04FC94B}">
-                  <ma14:wrappingTextBoxFlag xmlns="" xmlns:m="http://schemas.openxmlformats.org/officeDocument/2006/math" xmlns:a14="http://schemas.microsoft.com/office/drawing/2010/main" xmlns:ma14="http://schemas.microsoft.com/office/mac/drawingml/2011/main" val="1"/>
+                  <ma14:wrappingTextBoxFlag xmlns:ma14="http://schemas.microsoft.com/office/mac/drawingml/2011/main" xmlns:a14="http://schemas.microsoft.com/office/drawing/2010/main" xmlns:m="http://schemas.openxmlformats.org/officeDocument/2006/math" xmlns="" val="1"/>
                 </a:ext>
               </a:extLst>
             </p:spPr>
@@ -5761,7 +5762,7 @@
               <a:effectLst/>
               <a:extLst>
                 <a:ext uri="{C572A759-6A51-4108-AA02-DFA0A04FC94B}">
-                  <ma14:wrappingTextBoxFlag xmlns="" xmlns:m="http://schemas.openxmlformats.org/officeDocument/2006/math" xmlns:a14="http://schemas.microsoft.com/office/drawing/2010/main" xmlns:ma14="http://schemas.microsoft.com/office/mac/drawingml/2011/main" val="1"/>
+                  <ma14:wrappingTextBoxFlag xmlns:ma14="http://schemas.microsoft.com/office/mac/drawingml/2011/main" xmlns:a14="http://schemas.microsoft.com/office/drawing/2010/main" xmlns:m="http://schemas.openxmlformats.org/officeDocument/2006/math" xmlns="" val="1"/>
                 </a:ext>
               </a:extLst>
             </p:spPr>
@@ -5927,7 +5928,7 @@
               <a:effectLst/>
               <a:extLst>
                 <a:ext uri="{C572A759-6A51-4108-AA02-DFA0A04FC94B}">
-                  <ma14:wrappingTextBoxFlag xmlns="" xmlns:m="http://schemas.openxmlformats.org/officeDocument/2006/math" xmlns:a14="http://schemas.microsoft.com/office/drawing/2010/main" xmlns:ma14="http://schemas.microsoft.com/office/mac/drawingml/2011/main" val="1"/>
+                  <ma14:wrappingTextBoxFlag xmlns:ma14="http://schemas.microsoft.com/office/mac/drawingml/2011/main" xmlns:a14="http://schemas.microsoft.com/office/drawing/2010/main" xmlns:m="http://schemas.openxmlformats.org/officeDocument/2006/math" xmlns="" val="1"/>
                 </a:ext>
               </a:extLst>
             </p:spPr>
@@ -6083,7 +6084,7 @@
               <a:effectLst/>
               <a:extLst>
                 <a:ext uri="{C572A759-6A51-4108-AA02-DFA0A04FC94B}">
-                  <ma14:wrappingTextBoxFlag xmlns="" xmlns:m="http://schemas.openxmlformats.org/officeDocument/2006/math" xmlns:a14="http://schemas.microsoft.com/office/drawing/2010/main" xmlns:ma14="http://schemas.microsoft.com/office/mac/drawingml/2011/main" val="1"/>
+                  <ma14:wrappingTextBoxFlag xmlns:ma14="http://schemas.microsoft.com/office/mac/drawingml/2011/main" xmlns:a14="http://schemas.microsoft.com/office/drawing/2010/main" xmlns:m="http://schemas.openxmlformats.org/officeDocument/2006/math" xmlns="" val="1"/>
                 </a:ext>
               </a:extLst>
             </p:spPr>
@@ -6239,7 +6240,7 @@
               <a:effectLst/>
               <a:extLst>
                 <a:ext uri="{C572A759-6A51-4108-AA02-DFA0A04FC94B}">
-                  <ma14:wrappingTextBoxFlag xmlns="" xmlns:m="http://schemas.openxmlformats.org/officeDocument/2006/math" xmlns:a14="http://schemas.microsoft.com/office/drawing/2010/main" xmlns:ma14="http://schemas.microsoft.com/office/mac/drawingml/2011/main" val="1"/>
+                  <ma14:wrappingTextBoxFlag xmlns:ma14="http://schemas.microsoft.com/office/mac/drawingml/2011/main" xmlns:a14="http://schemas.microsoft.com/office/drawing/2010/main" xmlns:m="http://schemas.openxmlformats.org/officeDocument/2006/math" xmlns="" val="1"/>
                 </a:ext>
               </a:extLst>
             </p:spPr>
@@ -6395,7 +6396,7 @@
               <a:effectLst/>
               <a:extLst>
                 <a:ext uri="{C572A759-6A51-4108-AA02-DFA0A04FC94B}">
-                  <ma14:wrappingTextBoxFlag xmlns="" xmlns:m="http://schemas.openxmlformats.org/officeDocument/2006/math" xmlns:a14="http://schemas.microsoft.com/office/drawing/2010/main" xmlns:ma14="http://schemas.microsoft.com/office/mac/drawingml/2011/main" val="1"/>
+                  <ma14:wrappingTextBoxFlag xmlns:ma14="http://schemas.microsoft.com/office/mac/drawingml/2011/main" xmlns:a14="http://schemas.microsoft.com/office/drawing/2010/main" xmlns:m="http://schemas.openxmlformats.org/officeDocument/2006/math" xmlns="" val="1"/>
                 </a:ext>
               </a:extLst>
             </p:spPr>
@@ -6548,7 +6549,7 @@
           </a:ln>
           <a:extLst>
             <a:ext uri="{C572A759-6A51-4108-AA02-DFA0A04FC94B}">
-              <ma14:wrappingTextBoxFlag xmlns="" xmlns:m="http://schemas.openxmlformats.org/officeDocument/2006/math" xmlns:a14="http://schemas.microsoft.com/office/drawing/2010/main" xmlns:ma14="http://schemas.microsoft.com/office/mac/drawingml/2011/main" val="1"/>
+              <ma14:wrappingTextBoxFlag xmlns:ma14="http://schemas.microsoft.com/office/mac/drawingml/2011/main" xmlns:a14="http://schemas.microsoft.com/office/drawing/2010/main" xmlns:m="http://schemas.openxmlformats.org/officeDocument/2006/math" xmlns="" val="1"/>
             </a:ext>
           </a:extLst>
         </p:spPr>
@@ -6605,7 +6606,7 @@
           </a:ln>
           <a:extLst>
             <a:ext uri="{C572A759-6A51-4108-AA02-DFA0A04FC94B}">
-              <ma14:wrappingTextBoxFlag xmlns="" xmlns:m="http://schemas.openxmlformats.org/officeDocument/2006/math" xmlns:a14="http://schemas.microsoft.com/office/drawing/2010/main" xmlns:ma14="http://schemas.microsoft.com/office/mac/drawingml/2011/main" val="1"/>
+              <ma14:wrappingTextBoxFlag xmlns:ma14="http://schemas.microsoft.com/office/mac/drawingml/2011/main" xmlns:a14="http://schemas.microsoft.com/office/drawing/2010/main" xmlns:m="http://schemas.openxmlformats.org/officeDocument/2006/math" xmlns="" val="1"/>
             </a:ext>
           </a:extLst>
         </p:spPr>
@@ -6824,7 +6825,7 @@
               <a:effectLst/>
               <a:extLst>
                 <a:ext uri="{C572A759-6A51-4108-AA02-DFA0A04FC94B}">
-                  <ma14:wrappingTextBoxFlag xmlns="" xmlns:m="http://schemas.openxmlformats.org/officeDocument/2006/math" xmlns:a14="http://schemas.microsoft.com/office/drawing/2010/main" xmlns:ma14="http://schemas.microsoft.com/office/mac/drawingml/2011/main" val="1"/>
+                  <ma14:wrappingTextBoxFlag xmlns:ma14="http://schemas.microsoft.com/office/mac/drawingml/2011/main" xmlns:a14="http://schemas.microsoft.com/office/drawing/2010/main" xmlns:m="http://schemas.openxmlformats.org/officeDocument/2006/math" xmlns="" val="1"/>
                 </a:ext>
               </a:extLst>
             </p:spPr>
@@ -6980,7 +6981,7 @@
               <a:effectLst/>
               <a:extLst>
                 <a:ext uri="{C572A759-6A51-4108-AA02-DFA0A04FC94B}">
-                  <ma14:wrappingTextBoxFlag xmlns="" xmlns:m="http://schemas.openxmlformats.org/officeDocument/2006/math" xmlns:a14="http://schemas.microsoft.com/office/drawing/2010/main" xmlns:ma14="http://schemas.microsoft.com/office/mac/drawingml/2011/main" val="1"/>
+                  <ma14:wrappingTextBoxFlag xmlns:ma14="http://schemas.microsoft.com/office/mac/drawingml/2011/main" xmlns:a14="http://schemas.microsoft.com/office/drawing/2010/main" xmlns:m="http://schemas.openxmlformats.org/officeDocument/2006/math" xmlns="" val="1"/>
                 </a:ext>
               </a:extLst>
             </p:spPr>
@@ -7136,7 +7137,7 @@
               <a:effectLst/>
               <a:extLst>
                 <a:ext uri="{C572A759-6A51-4108-AA02-DFA0A04FC94B}">
-                  <ma14:wrappingTextBoxFlag xmlns="" xmlns:m="http://schemas.openxmlformats.org/officeDocument/2006/math" xmlns:a14="http://schemas.microsoft.com/office/drawing/2010/main" xmlns:ma14="http://schemas.microsoft.com/office/mac/drawingml/2011/main" val="1"/>
+                  <ma14:wrappingTextBoxFlag xmlns:ma14="http://schemas.microsoft.com/office/mac/drawingml/2011/main" xmlns:a14="http://schemas.microsoft.com/office/drawing/2010/main" xmlns:m="http://schemas.openxmlformats.org/officeDocument/2006/math" xmlns="" val="1"/>
                 </a:ext>
               </a:extLst>
             </p:spPr>
@@ -7292,7 +7293,7 @@
               <a:effectLst/>
               <a:extLst>
                 <a:ext uri="{C572A759-6A51-4108-AA02-DFA0A04FC94B}">
-                  <ma14:wrappingTextBoxFlag xmlns="" xmlns:m="http://schemas.openxmlformats.org/officeDocument/2006/math" xmlns:a14="http://schemas.microsoft.com/office/drawing/2010/main" xmlns:ma14="http://schemas.microsoft.com/office/mac/drawingml/2011/main" val="1"/>
+                  <ma14:wrappingTextBoxFlag xmlns:ma14="http://schemas.microsoft.com/office/mac/drawingml/2011/main" xmlns:a14="http://schemas.microsoft.com/office/drawing/2010/main" xmlns:m="http://schemas.openxmlformats.org/officeDocument/2006/math" xmlns="" val="1"/>
                 </a:ext>
               </a:extLst>
             </p:spPr>
@@ -7448,7 +7449,7 @@
               <a:effectLst/>
               <a:extLst>
                 <a:ext uri="{C572A759-6A51-4108-AA02-DFA0A04FC94B}">
-                  <ma14:wrappingTextBoxFlag xmlns="" xmlns:m="http://schemas.openxmlformats.org/officeDocument/2006/math" xmlns:a14="http://schemas.microsoft.com/office/drawing/2010/main" xmlns:ma14="http://schemas.microsoft.com/office/mac/drawingml/2011/main" val="1"/>
+                  <ma14:wrappingTextBoxFlag xmlns:ma14="http://schemas.microsoft.com/office/mac/drawingml/2011/main" xmlns:a14="http://schemas.microsoft.com/office/drawing/2010/main" xmlns:m="http://schemas.openxmlformats.org/officeDocument/2006/math" xmlns="" val="1"/>
                 </a:ext>
               </a:extLst>
             </p:spPr>
@@ -7619,7 +7620,7 @@
               <a:effectLst/>
               <a:extLst>
                 <a:ext uri="{C572A759-6A51-4108-AA02-DFA0A04FC94B}">
-                  <ma14:wrappingTextBoxFlag xmlns="" xmlns:m="http://schemas.openxmlformats.org/officeDocument/2006/math" xmlns:a14="http://schemas.microsoft.com/office/drawing/2010/main" xmlns:ma14="http://schemas.microsoft.com/office/mac/drawingml/2011/main" val="1"/>
+                  <ma14:wrappingTextBoxFlag xmlns:ma14="http://schemas.microsoft.com/office/mac/drawingml/2011/main" xmlns:a14="http://schemas.microsoft.com/office/drawing/2010/main" xmlns:m="http://schemas.openxmlformats.org/officeDocument/2006/math" xmlns="" val="1"/>
                 </a:ext>
               </a:extLst>
             </p:spPr>
@@ -7775,7 +7776,7 @@
               <a:effectLst/>
               <a:extLst>
                 <a:ext uri="{C572A759-6A51-4108-AA02-DFA0A04FC94B}">
-                  <ma14:wrappingTextBoxFlag xmlns="" xmlns:m="http://schemas.openxmlformats.org/officeDocument/2006/math" xmlns:a14="http://schemas.microsoft.com/office/drawing/2010/main" xmlns:ma14="http://schemas.microsoft.com/office/mac/drawingml/2011/main" val="1"/>
+                  <ma14:wrappingTextBoxFlag xmlns:ma14="http://schemas.microsoft.com/office/mac/drawingml/2011/main" xmlns:a14="http://schemas.microsoft.com/office/drawing/2010/main" xmlns:m="http://schemas.openxmlformats.org/officeDocument/2006/math" xmlns="" val="1"/>
                 </a:ext>
               </a:extLst>
             </p:spPr>
@@ -7931,7 +7932,7 @@
               <a:effectLst/>
               <a:extLst>
                 <a:ext uri="{C572A759-6A51-4108-AA02-DFA0A04FC94B}">
-                  <ma14:wrappingTextBoxFlag xmlns="" xmlns:m="http://schemas.openxmlformats.org/officeDocument/2006/math" xmlns:a14="http://schemas.microsoft.com/office/drawing/2010/main" xmlns:ma14="http://schemas.microsoft.com/office/mac/drawingml/2011/main" val="1"/>
+                  <ma14:wrappingTextBoxFlag xmlns:ma14="http://schemas.microsoft.com/office/mac/drawingml/2011/main" xmlns:a14="http://schemas.microsoft.com/office/drawing/2010/main" xmlns:m="http://schemas.openxmlformats.org/officeDocument/2006/math" xmlns="" val="1"/>
                 </a:ext>
               </a:extLst>
             </p:spPr>
@@ -8048,7 +8049,7 @@
           </a:ln>
           <a:extLst>
             <a:ext uri="{C572A759-6A51-4108-AA02-DFA0A04FC94B}">
-              <ma14:wrappingTextBoxFlag xmlns="" xmlns:m="http://schemas.openxmlformats.org/officeDocument/2006/math" xmlns:a14="http://schemas.microsoft.com/office/drawing/2010/main" xmlns:ma14="http://schemas.microsoft.com/office/mac/drawingml/2011/main" val="1"/>
+              <ma14:wrappingTextBoxFlag xmlns:ma14="http://schemas.microsoft.com/office/mac/drawingml/2011/main" xmlns:a14="http://schemas.microsoft.com/office/drawing/2010/main" xmlns:m="http://schemas.openxmlformats.org/officeDocument/2006/math" xmlns="" val="1"/>
             </a:ext>
           </a:extLst>
         </p:spPr>
@@ -8222,7 +8223,7 @@
               <a:effectLst/>
               <a:extLst>
                 <a:ext uri="{C572A759-6A51-4108-AA02-DFA0A04FC94B}">
-                  <ma14:wrappingTextBoxFlag xmlns="" xmlns:m="http://schemas.openxmlformats.org/officeDocument/2006/math" xmlns:a14="http://schemas.microsoft.com/office/drawing/2010/main" xmlns:ma14="http://schemas.microsoft.com/office/mac/drawingml/2011/main" val="1"/>
+                  <ma14:wrappingTextBoxFlag xmlns:ma14="http://schemas.microsoft.com/office/mac/drawingml/2011/main" xmlns:a14="http://schemas.microsoft.com/office/drawing/2010/main" xmlns:m="http://schemas.openxmlformats.org/officeDocument/2006/math" xmlns="" val="1"/>
                 </a:ext>
               </a:extLst>
             </p:spPr>
@@ -8378,7 +8379,7 @@
               <a:effectLst/>
               <a:extLst>
                 <a:ext uri="{C572A759-6A51-4108-AA02-DFA0A04FC94B}">
-                  <ma14:wrappingTextBoxFlag xmlns="" xmlns:m="http://schemas.openxmlformats.org/officeDocument/2006/math" xmlns:a14="http://schemas.microsoft.com/office/drawing/2010/main" xmlns:ma14="http://schemas.microsoft.com/office/mac/drawingml/2011/main" val="1"/>
+                  <ma14:wrappingTextBoxFlag xmlns:ma14="http://schemas.microsoft.com/office/mac/drawingml/2011/main" xmlns:a14="http://schemas.microsoft.com/office/drawing/2010/main" xmlns:m="http://schemas.openxmlformats.org/officeDocument/2006/math" xmlns="" val="1"/>
                 </a:ext>
               </a:extLst>
             </p:spPr>
@@ -8534,7 +8535,7 @@
               <a:effectLst/>
               <a:extLst>
                 <a:ext uri="{C572A759-6A51-4108-AA02-DFA0A04FC94B}">
-                  <ma14:wrappingTextBoxFlag xmlns="" xmlns:m="http://schemas.openxmlformats.org/officeDocument/2006/math" xmlns:a14="http://schemas.microsoft.com/office/drawing/2010/main" xmlns:ma14="http://schemas.microsoft.com/office/mac/drawingml/2011/main" val="1"/>
+                  <ma14:wrappingTextBoxFlag xmlns:ma14="http://schemas.microsoft.com/office/mac/drawingml/2011/main" xmlns:a14="http://schemas.microsoft.com/office/drawing/2010/main" xmlns:m="http://schemas.openxmlformats.org/officeDocument/2006/math" xmlns="" val="1"/>
                 </a:ext>
               </a:extLst>
             </p:spPr>
@@ -8585,7 +8586,7 @@
           </a:ln>
           <a:extLst>
             <a:ext uri="{C572A759-6A51-4108-AA02-DFA0A04FC94B}">
-              <ma14:wrappingTextBoxFlag xmlns="" xmlns:m="http://schemas.openxmlformats.org/officeDocument/2006/math" xmlns:a14="http://schemas.microsoft.com/office/drawing/2010/main" xmlns:ma14="http://schemas.microsoft.com/office/mac/drawingml/2011/main" val="1"/>
+              <ma14:wrappingTextBoxFlag xmlns:ma14="http://schemas.microsoft.com/office/mac/drawingml/2011/main" xmlns:a14="http://schemas.microsoft.com/office/drawing/2010/main" xmlns:m="http://schemas.openxmlformats.org/officeDocument/2006/math" xmlns="" val="1"/>
             </a:ext>
           </a:extLst>
         </p:spPr>
@@ -8748,7 +8749,7 @@
               <a:effectLst/>
               <a:extLst>
                 <a:ext uri="{C572A759-6A51-4108-AA02-DFA0A04FC94B}">
-                  <ma14:wrappingTextBoxFlag xmlns="" xmlns:m="http://schemas.openxmlformats.org/officeDocument/2006/math" xmlns:a14="http://schemas.microsoft.com/office/drawing/2010/main" xmlns:ma14="http://schemas.microsoft.com/office/mac/drawingml/2011/main" val="1"/>
+                  <ma14:wrappingTextBoxFlag xmlns:ma14="http://schemas.microsoft.com/office/mac/drawingml/2011/main" xmlns:a14="http://schemas.microsoft.com/office/drawing/2010/main" xmlns:m="http://schemas.openxmlformats.org/officeDocument/2006/math" xmlns="" val="1"/>
                 </a:ext>
               </a:extLst>
             </p:spPr>
@@ -8904,7 +8905,7 @@
               <a:effectLst/>
               <a:extLst>
                 <a:ext uri="{C572A759-6A51-4108-AA02-DFA0A04FC94B}">
-                  <ma14:wrappingTextBoxFlag xmlns="" xmlns:m="http://schemas.openxmlformats.org/officeDocument/2006/math" xmlns:a14="http://schemas.microsoft.com/office/drawing/2010/main" xmlns:ma14="http://schemas.microsoft.com/office/mac/drawingml/2011/main" val="1"/>
+                  <ma14:wrappingTextBoxFlag xmlns:ma14="http://schemas.microsoft.com/office/mac/drawingml/2011/main" xmlns:a14="http://schemas.microsoft.com/office/drawing/2010/main" xmlns:m="http://schemas.openxmlformats.org/officeDocument/2006/math" xmlns="" val="1"/>
                 </a:ext>
               </a:extLst>
             </p:spPr>
@@ -9060,7 +9061,7 @@
               <a:effectLst/>
               <a:extLst>
                 <a:ext uri="{C572A759-6A51-4108-AA02-DFA0A04FC94B}">
-                  <ma14:wrappingTextBoxFlag xmlns="" xmlns:m="http://schemas.openxmlformats.org/officeDocument/2006/math" xmlns:a14="http://schemas.microsoft.com/office/drawing/2010/main" xmlns:ma14="http://schemas.microsoft.com/office/mac/drawingml/2011/main" val="1"/>
+                  <ma14:wrappingTextBoxFlag xmlns:ma14="http://schemas.microsoft.com/office/mac/drawingml/2011/main" xmlns:a14="http://schemas.microsoft.com/office/drawing/2010/main" xmlns:m="http://schemas.openxmlformats.org/officeDocument/2006/math" xmlns="" val="1"/>
                 </a:ext>
               </a:extLst>
             </p:spPr>
@@ -9216,7 +9217,7 @@
               <a:effectLst/>
               <a:extLst>
                 <a:ext uri="{C572A759-6A51-4108-AA02-DFA0A04FC94B}">
-                  <ma14:wrappingTextBoxFlag xmlns="" xmlns:m="http://schemas.openxmlformats.org/officeDocument/2006/math" xmlns:a14="http://schemas.microsoft.com/office/drawing/2010/main" xmlns:ma14="http://schemas.microsoft.com/office/mac/drawingml/2011/main" val="1"/>
+                  <ma14:wrappingTextBoxFlag xmlns:ma14="http://schemas.microsoft.com/office/mac/drawingml/2011/main" xmlns:a14="http://schemas.microsoft.com/office/drawing/2010/main" xmlns:m="http://schemas.openxmlformats.org/officeDocument/2006/math" xmlns="" val="1"/>
                 </a:ext>
               </a:extLst>
             </p:spPr>
@@ -9294,7 +9295,7 @@
           </a:ln>
           <a:extLst>
             <a:ext uri="{C572A759-6A51-4108-AA02-DFA0A04FC94B}">
-              <ma14:wrappingTextBoxFlag xmlns="" xmlns:m="http://schemas.openxmlformats.org/officeDocument/2006/math" xmlns:a14="http://schemas.microsoft.com/office/drawing/2010/main" xmlns:ma14="http://schemas.microsoft.com/office/mac/drawingml/2011/main" val="1"/>
+              <ma14:wrappingTextBoxFlag xmlns:ma14="http://schemas.microsoft.com/office/mac/drawingml/2011/main" xmlns:a14="http://schemas.microsoft.com/office/drawing/2010/main" xmlns:m="http://schemas.openxmlformats.org/officeDocument/2006/math" xmlns="" val="1"/>
             </a:ext>
           </a:extLst>
         </p:spPr>
@@ -9457,7 +9458,7 @@
               <a:effectLst/>
               <a:extLst>
                 <a:ext uri="{C572A759-6A51-4108-AA02-DFA0A04FC94B}">
-                  <ma14:wrappingTextBoxFlag xmlns="" xmlns:m="http://schemas.openxmlformats.org/officeDocument/2006/math" xmlns:a14="http://schemas.microsoft.com/office/drawing/2010/main" xmlns:ma14="http://schemas.microsoft.com/office/mac/drawingml/2011/main" val="1"/>
+                  <ma14:wrappingTextBoxFlag xmlns:ma14="http://schemas.microsoft.com/office/mac/drawingml/2011/main" xmlns:a14="http://schemas.microsoft.com/office/drawing/2010/main" xmlns:m="http://schemas.openxmlformats.org/officeDocument/2006/math" xmlns="" val="1"/>
                 </a:ext>
               </a:extLst>
             </p:spPr>
@@ -9613,7 +9614,7 @@
               <a:effectLst/>
               <a:extLst>
                 <a:ext uri="{C572A759-6A51-4108-AA02-DFA0A04FC94B}">
-                  <ma14:wrappingTextBoxFlag xmlns="" xmlns:m="http://schemas.openxmlformats.org/officeDocument/2006/math" xmlns:a14="http://schemas.microsoft.com/office/drawing/2010/main" xmlns:ma14="http://schemas.microsoft.com/office/mac/drawingml/2011/main" val="1"/>
+                  <ma14:wrappingTextBoxFlag xmlns:ma14="http://schemas.microsoft.com/office/mac/drawingml/2011/main" xmlns:a14="http://schemas.microsoft.com/office/drawing/2010/main" xmlns:m="http://schemas.openxmlformats.org/officeDocument/2006/math" xmlns="" val="1"/>
                 </a:ext>
               </a:extLst>
             </p:spPr>
@@ -9811,7 +9812,7 @@
               <a:effectLst/>
               <a:extLst>
                 <a:ext uri="{C572A759-6A51-4108-AA02-DFA0A04FC94B}">
-                  <ma14:wrappingTextBoxFlag xmlns="" xmlns:m="http://schemas.openxmlformats.org/officeDocument/2006/math" xmlns:a14="http://schemas.microsoft.com/office/drawing/2010/main" xmlns:ma14="http://schemas.microsoft.com/office/mac/drawingml/2011/main" val="1"/>
+                  <ma14:wrappingTextBoxFlag xmlns:ma14="http://schemas.microsoft.com/office/mac/drawingml/2011/main" xmlns:a14="http://schemas.microsoft.com/office/drawing/2010/main" xmlns:m="http://schemas.openxmlformats.org/officeDocument/2006/math" xmlns="" val="1"/>
                 </a:ext>
               </a:extLst>
             </p:spPr>
@@ -9967,7 +9968,7 @@
               <a:effectLst/>
               <a:extLst>
                 <a:ext uri="{C572A759-6A51-4108-AA02-DFA0A04FC94B}">
-                  <ma14:wrappingTextBoxFlag xmlns="" xmlns:m="http://schemas.openxmlformats.org/officeDocument/2006/math" xmlns:a14="http://schemas.microsoft.com/office/drawing/2010/main" xmlns:ma14="http://schemas.microsoft.com/office/mac/drawingml/2011/main" val="1"/>
+                  <ma14:wrappingTextBoxFlag xmlns:ma14="http://schemas.microsoft.com/office/mac/drawingml/2011/main" xmlns:a14="http://schemas.microsoft.com/office/drawing/2010/main" xmlns:m="http://schemas.openxmlformats.org/officeDocument/2006/math" xmlns="" val="1"/>
                 </a:ext>
               </a:extLst>
             </p:spPr>
@@ -10018,7 +10019,7 @@
           </a:ln>
           <a:extLst>
             <a:ext uri="{C572A759-6A51-4108-AA02-DFA0A04FC94B}">
-              <ma14:wrappingTextBoxFlag xmlns="" xmlns:m="http://schemas.openxmlformats.org/officeDocument/2006/math" xmlns:a14="http://schemas.microsoft.com/office/drawing/2010/main" xmlns:ma14="http://schemas.microsoft.com/office/mac/drawingml/2011/main" val="1"/>
+              <ma14:wrappingTextBoxFlag xmlns:ma14="http://schemas.microsoft.com/office/mac/drawingml/2011/main" xmlns:a14="http://schemas.microsoft.com/office/drawing/2010/main" xmlns:m="http://schemas.openxmlformats.org/officeDocument/2006/math" xmlns="" val="1"/>
             </a:ext>
           </a:extLst>
         </p:spPr>
@@ -10274,7 +10275,7 @@
               <a:effectLst/>
               <a:extLst>
                 <a:ext uri="{C572A759-6A51-4108-AA02-DFA0A04FC94B}">
-                  <ma14:wrappingTextBoxFlag xmlns="" xmlns:m="http://schemas.openxmlformats.org/officeDocument/2006/math" xmlns:a14="http://schemas.microsoft.com/office/drawing/2010/main" xmlns:ma14="http://schemas.microsoft.com/office/mac/drawingml/2011/main" val="1"/>
+                  <ma14:wrappingTextBoxFlag xmlns:ma14="http://schemas.microsoft.com/office/mac/drawingml/2011/main" xmlns:a14="http://schemas.microsoft.com/office/drawing/2010/main" xmlns:m="http://schemas.openxmlformats.org/officeDocument/2006/math" xmlns="" val="1"/>
                 </a:ext>
               </a:extLst>
             </p:spPr>
@@ -10430,7 +10431,7 @@
               <a:effectLst/>
               <a:extLst>
                 <a:ext uri="{C572A759-6A51-4108-AA02-DFA0A04FC94B}">
-                  <ma14:wrappingTextBoxFlag xmlns="" xmlns:m="http://schemas.openxmlformats.org/officeDocument/2006/math" xmlns:a14="http://schemas.microsoft.com/office/drawing/2010/main" xmlns:ma14="http://schemas.microsoft.com/office/mac/drawingml/2011/main" val="1"/>
+                  <ma14:wrappingTextBoxFlag xmlns:ma14="http://schemas.microsoft.com/office/mac/drawingml/2011/main" xmlns:a14="http://schemas.microsoft.com/office/drawing/2010/main" xmlns:m="http://schemas.openxmlformats.org/officeDocument/2006/math" xmlns="" val="1"/>
                 </a:ext>
               </a:extLst>
             </p:spPr>
@@ -10586,7 +10587,7 @@
               <a:effectLst/>
               <a:extLst>
                 <a:ext uri="{C572A759-6A51-4108-AA02-DFA0A04FC94B}">
-                  <ma14:wrappingTextBoxFlag xmlns="" xmlns:m="http://schemas.openxmlformats.org/officeDocument/2006/math" xmlns:a14="http://schemas.microsoft.com/office/drawing/2010/main" xmlns:ma14="http://schemas.microsoft.com/office/mac/drawingml/2011/main" val="1"/>
+                  <ma14:wrappingTextBoxFlag xmlns:ma14="http://schemas.microsoft.com/office/mac/drawingml/2011/main" xmlns:a14="http://schemas.microsoft.com/office/drawing/2010/main" xmlns:m="http://schemas.openxmlformats.org/officeDocument/2006/math" xmlns="" val="1"/>
                 </a:ext>
               </a:extLst>
             </p:spPr>
@@ -10742,7 +10743,7 @@
               <a:effectLst/>
               <a:extLst>
                 <a:ext uri="{C572A759-6A51-4108-AA02-DFA0A04FC94B}">
-                  <ma14:wrappingTextBoxFlag xmlns="" xmlns:m="http://schemas.openxmlformats.org/officeDocument/2006/math" xmlns:a14="http://schemas.microsoft.com/office/drawing/2010/main" xmlns:ma14="http://schemas.microsoft.com/office/mac/drawingml/2011/main" val="1"/>
+                  <ma14:wrappingTextBoxFlag xmlns:ma14="http://schemas.microsoft.com/office/mac/drawingml/2011/main" xmlns:a14="http://schemas.microsoft.com/office/drawing/2010/main" xmlns:m="http://schemas.openxmlformats.org/officeDocument/2006/math" xmlns="" val="1"/>
                 </a:ext>
               </a:extLst>
             </p:spPr>
@@ -10898,7 +10899,7 @@
               <a:effectLst/>
               <a:extLst>
                 <a:ext uri="{C572A759-6A51-4108-AA02-DFA0A04FC94B}">
-                  <ma14:wrappingTextBoxFlag xmlns="" xmlns:m="http://schemas.openxmlformats.org/officeDocument/2006/math" xmlns:a14="http://schemas.microsoft.com/office/drawing/2010/main" xmlns:ma14="http://schemas.microsoft.com/office/mac/drawingml/2011/main" val="1"/>
+                  <ma14:wrappingTextBoxFlag xmlns:ma14="http://schemas.microsoft.com/office/mac/drawingml/2011/main" xmlns:a14="http://schemas.microsoft.com/office/drawing/2010/main" xmlns:m="http://schemas.openxmlformats.org/officeDocument/2006/math" xmlns="" val="1"/>
                 </a:ext>
               </a:extLst>
             </p:spPr>
@@ -11054,7 +11055,7 @@
               <a:effectLst/>
               <a:extLst>
                 <a:ext uri="{C572A759-6A51-4108-AA02-DFA0A04FC94B}">
-                  <ma14:wrappingTextBoxFlag xmlns="" xmlns:m="http://schemas.openxmlformats.org/officeDocument/2006/math" xmlns:a14="http://schemas.microsoft.com/office/drawing/2010/main" xmlns:ma14="http://schemas.microsoft.com/office/mac/drawingml/2011/main" val="1"/>
+                  <ma14:wrappingTextBoxFlag xmlns:ma14="http://schemas.microsoft.com/office/mac/drawingml/2011/main" xmlns:a14="http://schemas.microsoft.com/office/drawing/2010/main" xmlns:m="http://schemas.openxmlformats.org/officeDocument/2006/math" xmlns="" val="1"/>
                 </a:ext>
               </a:extLst>
             </p:spPr>
@@ -11210,7 +11211,7 @@
               <a:effectLst/>
               <a:extLst>
                 <a:ext uri="{C572A759-6A51-4108-AA02-DFA0A04FC94B}">
-                  <ma14:wrappingTextBoxFlag xmlns="" xmlns:m="http://schemas.openxmlformats.org/officeDocument/2006/math" xmlns:a14="http://schemas.microsoft.com/office/drawing/2010/main" xmlns:ma14="http://schemas.microsoft.com/office/mac/drawingml/2011/main" val="1"/>
+                  <ma14:wrappingTextBoxFlag xmlns:ma14="http://schemas.microsoft.com/office/mac/drawingml/2011/main" xmlns:a14="http://schemas.microsoft.com/office/drawing/2010/main" xmlns:m="http://schemas.openxmlformats.org/officeDocument/2006/math" xmlns="" val="1"/>
                 </a:ext>
               </a:extLst>
             </p:spPr>
@@ -11381,7 +11382,7 @@
               <a:effectLst/>
               <a:extLst>
                 <a:ext uri="{C572A759-6A51-4108-AA02-DFA0A04FC94B}">
-                  <ma14:wrappingTextBoxFlag xmlns="" xmlns:m="http://schemas.openxmlformats.org/officeDocument/2006/math" xmlns:a14="http://schemas.microsoft.com/office/drawing/2010/main" xmlns:ma14="http://schemas.microsoft.com/office/mac/drawingml/2011/main" val="1"/>
+                  <ma14:wrappingTextBoxFlag xmlns:ma14="http://schemas.microsoft.com/office/mac/drawingml/2011/main" xmlns:a14="http://schemas.microsoft.com/office/drawing/2010/main" xmlns:m="http://schemas.openxmlformats.org/officeDocument/2006/math" xmlns="" val="1"/>
                 </a:ext>
               </a:extLst>
             </p:spPr>
@@ -11537,7 +11538,7 @@
               <a:effectLst/>
               <a:extLst>
                 <a:ext uri="{C572A759-6A51-4108-AA02-DFA0A04FC94B}">
-                  <ma14:wrappingTextBoxFlag xmlns="" xmlns:m="http://schemas.openxmlformats.org/officeDocument/2006/math" xmlns:a14="http://schemas.microsoft.com/office/drawing/2010/main" xmlns:ma14="http://schemas.microsoft.com/office/mac/drawingml/2011/main" val="1"/>
+                  <ma14:wrappingTextBoxFlag xmlns:ma14="http://schemas.microsoft.com/office/mac/drawingml/2011/main" xmlns:a14="http://schemas.microsoft.com/office/drawing/2010/main" xmlns:m="http://schemas.openxmlformats.org/officeDocument/2006/math" xmlns="" val="1"/>
                 </a:ext>
               </a:extLst>
             </p:spPr>
@@ -11693,7 +11694,7 @@
               <a:effectLst/>
               <a:extLst>
                 <a:ext uri="{C572A759-6A51-4108-AA02-DFA0A04FC94B}">
-                  <ma14:wrappingTextBoxFlag xmlns="" xmlns:m="http://schemas.openxmlformats.org/officeDocument/2006/math" xmlns:a14="http://schemas.microsoft.com/office/drawing/2010/main" xmlns:ma14="http://schemas.microsoft.com/office/mac/drawingml/2011/main" val="1"/>
+                  <ma14:wrappingTextBoxFlag xmlns:ma14="http://schemas.microsoft.com/office/mac/drawingml/2011/main" xmlns:a14="http://schemas.microsoft.com/office/drawing/2010/main" xmlns:m="http://schemas.openxmlformats.org/officeDocument/2006/math" xmlns="" val="1"/>
                 </a:ext>
               </a:extLst>
             </p:spPr>
@@ -11849,7 +11850,7 @@
               <a:effectLst/>
               <a:extLst>
                 <a:ext uri="{C572A759-6A51-4108-AA02-DFA0A04FC94B}">
-                  <ma14:wrappingTextBoxFlag xmlns="" xmlns:m="http://schemas.openxmlformats.org/officeDocument/2006/math" xmlns:a14="http://schemas.microsoft.com/office/drawing/2010/main" xmlns:ma14="http://schemas.microsoft.com/office/mac/drawingml/2011/main" val="1"/>
+                  <ma14:wrappingTextBoxFlag xmlns:ma14="http://schemas.microsoft.com/office/mac/drawingml/2011/main" xmlns:a14="http://schemas.microsoft.com/office/drawing/2010/main" xmlns:m="http://schemas.openxmlformats.org/officeDocument/2006/math" xmlns="" val="1"/>
                 </a:ext>
               </a:extLst>
             </p:spPr>
@@ -12005,7 +12006,7 @@
               <a:effectLst/>
               <a:extLst>
                 <a:ext uri="{C572A759-6A51-4108-AA02-DFA0A04FC94B}">
-                  <ma14:wrappingTextBoxFlag xmlns="" xmlns:m="http://schemas.openxmlformats.org/officeDocument/2006/math" xmlns:a14="http://schemas.microsoft.com/office/drawing/2010/main" xmlns:ma14="http://schemas.microsoft.com/office/mac/drawingml/2011/main" val="1"/>
+                  <ma14:wrappingTextBoxFlag xmlns:ma14="http://schemas.microsoft.com/office/mac/drawingml/2011/main" xmlns:a14="http://schemas.microsoft.com/office/drawing/2010/main" xmlns:m="http://schemas.openxmlformats.org/officeDocument/2006/math" xmlns="" val="1"/>
                 </a:ext>
               </a:extLst>
             </p:spPr>
@@ -12083,7 +12084,7 @@
           </a:ln>
           <a:extLst>
             <a:ext uri="{C572A759-6A51-4108-AA02-DFA0A04FC94B}">
-              <ma14:wrappingTextBoxFlag xmlns="" xmlns:m="http://schemas.openxmlformats.org/officeDocument/2006/math" xmlns:a14="http://schemas.microsoft.com/office/drawing/2010/main" xmlns:ma14="http://schemas.microsoft.com/office/mac/drawingml/2011/main" val="1"/>
+              <ma14:wrappingTextBoxFlag xmlns:ma14="http://schemas.microsoft.com/office/mac/drawingml/2011/main" xmlns:a14="http://schemas.microsoft.com/office/drawing/2010/main" xmlns:m="http://schemas.openxmlformats.org/officeDocument/2006/math" xmlns="" val="1"/>
             </a:ext>
           </a:extLst>
         </p:spPr>
@@ -13135,7 +13136,7 @@
           </a:ln>
           <a:extLst>
             <a:ext uri="{C572A759-6A51-4108-AA02-DFA0A04FC94B}">
-              <ma14:wrappingTextBoxFlag xmlns="" xmlns:m="http://schemas.openxmlformats.org/officeDocument/2006/math" xmlns:a14="http://schemas.microsoft.com/office/drawing/2010/main" xmlns:ma14="http://schemas.microsoft.com/office/mac/drawingml/2011/main" val="1"/>
+              <ma14:wrappingTextBoxFlag xmlns:ma14="http://schemas.microsoft.com/office/mac/drawingml/2011/main" xmlns:a14="http://schemas.microsoft.com/office/drawing/2010/main" xmlns:m="http://schemas.openxmlformats.org/officeDocument/2006/math" xmlns="" val="1"/>
             </a:ext>
           </a:extLst>
         </p:spPr>
@@ -13615,6 +13616,93 @@
 </file>
 
 <file path=ppt/slides/slide20.xml><?xml version="1.0" encoding="utf-8"?>
+<p:sld xmlns:a="http://schemas.openxmlformats.org/drawingml/2006/main" xmlns:r="http://schemas.openxmlformats.org/officeDocument/2006/relationships" xmlns:p="http://schemas.openxmlformats.org/presentationml/2006/main">
+  <p:cSld>
+    <p:spTree>
+      <p:nvGrpSpPr>
+        <p:cNvPr id="1" name=""/>
+        <p:cNvGrpSpPr/>
+        <p:nvPr/>
+      </p:nvGrpSpPr>
+      <p:grpSpPr>
+        <a:xfrm>
+          <a:off x="0" y="0"/>
+          <a:ext cx="0" cy="0"/>
+          <a:chOff x="0" y="0"/>
+          <a:chExt cx="0" cy="0"/>
+        </a:xfrm>
+      </p:grpSpPr>
+      <p:sp>
+        <p:nvSpPr>
+          <p:cNvPr id="2" name="Título 1">
+            <a:extLst>
+              <a:ext uri="{FF2B5EF4-FFF2-40B4-BE49-F238E27FC236}">
+                <a16:creationId xmlns:a16="http://schemas.microsoft.com/office/drawing/2014/main" id="{E18F9747-DDD6-4B6B-B4A9-F8AC0794244F}"/>
+              </a:ext>
+            </a:extLst>
+          </p:cNvPr>
+          <p:cNvSpPr>
+            <a:spLocks noGrp="1"/>
+          </p:cNvSpPr>
+          <p:nvPr>
+            <p:ph type="title"/>
+          </p:nvPr>
+        </p:nvSpPr>
+        <p:spPr/>
+        <p:txBody>
+          <a:bodyPr/>
+          <a:lstStyle/>
+          <a:p>
+            <a:r>
+              <a:rPr lang="pt-BR" dirty="0"/>
+              <a:t>Banco de dados</a:t>
+            </a:r>
+          </a:p>
+        </p:txBody>
+      </p:sp>
+      <p:pic>
+        <p:nvPicPr>
+          <p:cNvPr id="6" name="Espaço Reservado para Conteúdo 5">
+            <a:extLst>
+              <a:ext uri="{FF2B5EF4-FFF2-40B4-BE49-F238E27FC236}">
+                <a16:creationId xmlns:a16="http://schemas.microsoft.com/office/drawing/2014/main" id="{FA5C58EA-5FAB-4E2B-AD97-3916B3501F46}"/>
+              </a:ext>
+            </a:extLst>
+          </p:cNvPr>
+          <p:cNvPicPr>
+            <a:picLocks noGrp="1" noChangeAspect="1"/>
+          </p:cNvPicPr>
+          <p:nvPr>
+            <p:ph idx="1"/>
+          </p:nvPr>
+        </p:nvPicPr>
+        <p:blipFill>
+          <a:blip r:embed="rId2"/>
+          <a:stretch>
+            <a:fillRect/>
+          </a:stretch>
+        </p:blipFill>
+        <p:spPr>
+          <a:xfrm>
+            <a:off x="2174854" y="1200150"/>
+            <a:ext cx="4794292" cy="3394075"/>
+          </a:xfrm>
+        </p:spPr>
+      </p:pic>
+    </p:spTree>
+    <p:extLst>
+      <p:ext uri="{BB962C8B-B14F-4D97-AF65-F5344CB8AC3E}">
+        <p14:creationId xmlns:p14="http://schemas.microsoft.com/office/powerpoint/2010/main" val="3191541866"/>
+      </p:ext>
+    </p:extLst>
+  </p:cSld>
+  <p:clrMapOvr>
+    <a:masterClrMapping/>
+  </p:clrMapOvr>
+</p:sld>
+</file>
+
+<file path=ppt/slides/slide21.xml><?xml version="1.0" encoding="utf-8"?>
 <p:sld xmlns:a="http://schemas.openxmlformats.org/drawingml/2006/main" xmlns:r="http://schemas.openxmlformats.org/officeDocument/2006/relationships" xmlns:p="http://schemas.openxmlformats.org/presentationml/2006/main">
   <p:cSld>
     <p:spTree>
@@ -15318,6 +15406,12 @@
 </file>
 
 <file path=customXml/item1.xml><?xml version="1.0" encoding="utf-8"?>
+<p:properties xmlns:p="http://schemas.microsoft.com/office/2006/metadata/properties" xmlns:xsi="http://www.w3.org/2001/XMLSchema-instance" xmlns:pc="http://schemas.microsoft.com/office/infopath/2007/PartnerControls">
+  <documentManagement/>
+</p:properties>
+</file>
+
+<file path=customXml/item2.xml><?xml version="1.0" encoding="utf-8"?>
 <ct:contentTypeSchema xmlns:ct="http://schemas.microsoft.com/office/2006/metadata/contentType" xmlns:ma="http://schemas.microsoft.com/office/2006/metadata/properties/metaAttributes" ct:_="" ma:_="" ma:contentTypeName="Documento" ma:contentTypeID="0x01010085BD57D50E6DE842B1E6E45DD8ADA612" ma:contentTypeVersion="10" ma:contentTypeDescription="Crie um novo documento." ma:contentTypeScope="" ma:versionID="8e0e5fbfa2cf795098f23d1d0f619526">
   <xsd:schema xmlns:xsd="http://www.w3.org/2001/XMLSchema" xmlns:xs="http://www.w3.org/2001/XMLSchema" xmlns:p="http://schemas.microsoft.com/office/2006/metadata/properties" xmlns:ns2="6ec2c070-79bd-49b2-81b1-b94952dba74e" targetNamespace="http://schemas.microsoft.com/office/2006/metadata/properties" ma:root="true" ma:fieldsID="d766a1aba2d714bdc0625546e10e1351" ns2:_="">
     <xsd:import namespace="6ec2c070-79bd-49b2-81b1-b94952dba74e"/>
@@ -15501,12 +15595,6 @@
 </ct:contentTypeSchema>
 </file>
 
-<file path=customXml/item2.xml><?xml version="1.0" encoding="utf-8"?>
-<p:properties xmlns:p="http://schemas.microsoft.com/office/2006/metadata/properties" xmlns:xsi="http://www.w3.org/2001/XMLSchema-instance" xmlns:pc="http://schemas.microsoft.com/office/infopath/2007/PartnerControls">
-  <documentManagement/>
-</p:properties>
-</file>
-
 <file path=customXml/item3.xml><?xml version="1.0" encoding="utf-8"?>
 <?mso-contentType ?>
 <FormTemplates xmlns="http://schemas.microsoft.com/sharepoint/v3/contenttype/forms">
@@ -15517,6 +15605,22 @@
 </file>
 
 <file path=customXml/itemProps1.xml><?xml version="1.0" encoding="utf-8"?>
+<ds:datastoreItem xmlns:ds="http://schemas.openxmlformats.org/officeDocument/2006/customXml" ds:itemID="{8031ACC6-C754-48ED-B6EF-B89EFDC0A8F1}">
+  <ds:schemaRefs>
+    <ds:schemaRef ds:uri="http://schemas.microsoft.com/office/infopath/2007/PartnerControls"/>
+    <ds:schemaRef ds:uri="http://schemas.microsoft.com/office/2006/documentManagement/types"/>
+    <ds:schemaRef ds:uri="http://purl.org/dc/dcmitype/"/>
+    <ds:schemaRef ds:uri="http://purl.org/dc/terms/"/>
+    <ds:schemaRef ds:uri="http://schemas.microsoft.com/office/2006/metadata/properties"/>
+    <ds:schemaRef ds:uri="http://purl.org/dc/elements/1.1/"/>
+    <ds:schemaRef ds:uri="http://schemas.openxmlformats.org/package/2006/metadata/core-properties"/>
+    <ds:schemaRef ds:uri="6ec2c070-79bd-49b2-81b1-b94952dba74e"/>
+    <ds:schemaRef ds:uri="http://www.w3.org/XML/1998/namespace"/>
+  </ds:schemaRefs>
+</ds:datastoreItem>
+</file>
+
+<file path=customXml/itemProps2.xml><?xml version="1.0" encoding="utf-8"?>
 <ds:datastoreItem xmlns:ds="http://schemas.openxmlformats.org/officeDocument/2006/customXml" ds:itemID="{BEEEF405-024D-4145-96F5-B2CF423D538F}">
   <ds:schemaRefs>
     <ds:schemaRef ds:uri="http://schemas.microsoft.com/office/2006/metadata/contentType"/>
@@ -15534,22 +15638,6 @@
 </ds:datastoreItem>
 </file>
 
-<file path=customXml/itemProps2.xml><?xml version="1.0" encoding="utf-8"?>
-<ds:datastoreItem xmlns:ds="http://schemas.openxmlformats.org/officeDocument/2006/customXml" ds:itemID="{8031ACC6-C754-48ED-B6EF-B89EFDC0A8F1}">
-  <ds:schemaRefs>
-    <ds:schemaRef ds:uri="http://schemas.microsoft.com/office/infopath/2007/PartnerControls"/>
-    <ds:schemaRef ds:uri="http://schemas.microsoft.com/office/2006/documentManagement/types"/>
-    <ds:schemaRef ds:uri="http://purl.org/dc/dcmitype/"/>
-    <ds:schemaRef ds:uri="http://purl.org/dc/terms/"/>
-    <ds:schemaRef ds:uri="http://schemas.microsoft.com/office/2006/metadata/properties"/>
-    <ds:schemaRef ds:uri="http://purl.org/dc/elements/1.1/"/>
-    <ds:schemaRef ds:uri="http://schemas.openxmlformats.org/package/2006/metadata/core-properties"/>
-    <ds:schemaRef ds:uri="6ec2c070-79bd-49b2-81b1-b94952dba74e"/>
-    <ds:schemaRef ds:uri="http://www.w3.org/XML/1998/namespace"/>
-  </ds:schemaRefs>
-</ds:datastoreItem>
-</file>
-
 <file path=customXml/itemProps3.xml><?xml version="1.0" encoding="utf-8"?>
 <ds:datastoreItem xmlns:ds="http://schemas.openxmlformats.org/officeDocument/2006/customXml" ds:itemID="{1E8D0404-5EEB-4090-9A4A-32E16009308F}">
   <ds:schemaRefs>
